--- a/lab1/answer.pptx
+++ b/lab1/answer.pptx
@@ -7,8 +7,11 @@
   <p:sldIdLst>
     <p:sldId id="256" r:id="rId2"/>
     <p:sldId id="257" r:id="rId3"/>
-    <p:sldId id="258" r:id="rId4"/>
-    <p:sldId id="259" r:id="rId5"/>
+    <p:sldId id="262" r:id="rId4"/>
+    <p:sldId id="258" r:id="rId5"/>
+    <p:sldId id="261" r:id="rId6"/>
+    <p:sldId id="259" r:id="rId7"/>
+    <p:sldId id="260" r:id="rId8"/>
   </p:sldIdLst>
   <p:sldSz cx="12192000" cy="6858000"/>
   <p:notesSz cx="6858000" cy="9144000"/>
@@ -107,6 +110,11 @@
       </a:defRPr>
     </a:lvl9pPr>
   </p:defaultTextStyle>
+  <p:extLst>
+    <p:ext uri="{EFAFB233-063F-42B5-8137-9DF3F51BA10A}">
+      <p15:sldGuideLst xmlns:p15="http://schemas.microsoft.com/office/powerpoint/2012/main"/>
+    </p:ext>
+  </p:extLst>
 </p:presentation>
 </file>
 
@@ -257,7 +265,7 @@
           <a:p>
             <a:fld id="{0A2376C3-CD14-4C4C-A74D-18D60B79FCE1}" type="datetimeFigureOut">
               <a:rPr kumimoji="1" lang="ko-KR" altLang="en-US" smtClean="0"/>
-              <a:t>2021. 11. 2.</a:t>
+              <a:t>2021. 11. 9.</a:t>
             </a:fld>
             <a:endParaRPr kumimoji="1" lang="ko-KR" altLang="en-US"/>
           </a:p>
@@ -455,7 +463,7 @@
           <a:p>
             <a:fld id="{0A2376C3-CD14-4C4C-A74D-18D60B79FCE1}" type="datetimeFigureOut">
               <a:rPr kumimoji="1" lang="ko-KR" altLang="en-US" smtClean="0"/>
-              <a:t>2021. 11. 2.</a:t>
+              <a:t>2021. 11. 9.</a:t>
             </a:fld>
             <a:endParaRPr kumimoji="1" lang="ko-KR" altLang="en-US"/>
           </a:p>
@@ -663,7 +671,7 @@
           <a:p>
             <a:fld id="{0A2376C3-CD14-4C4C-A74D-18D60B79FCE1}" type="datetimeFigureOut">
               <a:rPr kumimoji="1" lang="ko-KR" altLang="en-US" smtClean="0"/>
-              <a:t>2021. 11. 2.</a:t>
+              <a:t>2021. 11. 9.</a:t>
             </a:fld>
             <a:endParaRPr kumimoji="1" lang="ko-KR" altLang="en-US"/>
           </a:p>
@@ -861,7 +869,7 @@
           <a:p>
             <a:fld id="{0A2376C3-CD14-4C4C-A74D-18D60B79FCE1}" type="datetimeFigureOut">
               <a:rPr kumimoji="1" lang="ko-KR" altLang="en-US" smtClean="0"/>
-              <a:t>2021. 11. 2.</a:t>
+              <a:t>2021. 11. 9.</a:t>
             </a:fld>
             <a:endParaRPr kumimoji="1" lang="ko-KR" altLang="en-US"/>
           </a:p>
@@ -1136,7 +1144,7 @@
           <a:p>
             <a:fld id="{0A2376C3-CD14-4C4C-A74D-18D60B79FCE1}" type="datetimeFigureOut">
               <a:rPr kumimoji="1" lang="ko-KR" altLang="en-US" smtClean="0"/>
-              <a:t>2021. 11. 2.</a:t>
+              <a:t>2021. 11. 9.</a:t>
             </a:fld>
             <a:endParaRPr kumimoji="1" lang="ko-KR" altLang="en-US"/>
           </a:p>
@@ -1401,7 +1409,7 @@
           <a:p>
             <a:fld id="{0A2376C3-CD14-4C4C-A74D-18D60B79FCE1}" type="datetimeFigureOut">
               <a:rPr kumimoji="1" lang="ko-KR" altLang="en-US" smtClean="0"/>
-              <a:t>2021. 11. 2.</a:t>
+              <a:t>2021. 11. 9.</a:t>
             </a:fld>
             <a:endParaRPr kumimoji="1" lang="ko-KR" altLang="en-US"/>
           </a:p>
@@ -1813,7 +1821,7 @@
           <a:p>
             <a:fld id="{0A2376C3-CD14-4C4C-A74D-18D60B79FCE1}" type="datetimeFigureOut">
               <a:rPr kumimoji="1" lang="ko-KR" altLang="en-US" smtClean="0"/>
-              <a:t>2021. 11. 2.</a:t>
+              <a:t>2021. 11. 9.</a:t>
             </a:fld>
             <a:endParaRPr kumimoji="1" lang="ko-KR" altLang="en-US"/>
           </a:p>
@@ -1954,7 +1962,7 @@
           <a:p>
             <a:fld id="{0A2376C3-CD14-4C4C-A74D-18D60B79FCE1}" type="datetimeFigureOut">
               <a:rPr kumimoji="1" lang="ko-KR" altLang="en-US" smtClean="0"/>
-              <a:t>2021. 11. 2.</a:t>
+              <a:t>2021. 11. 9.</a:t>
             </a:fld>
             <a:endParaRPr kumimoji="1" lang="ko-KR" altLang="en-US"/>
           </a:p>
@@ -2067,7 +2075,7 @@
           <a:p>
             <a:fld id="{0A2376C3-CD14-4C4C-A74D-18D60B79FCE1}" type="datetimeFigureOut">
               <a:rPr kumimoji="1" lang="ko-KR" altLang="en-US" smtClean="0"/>
-              <a:t>2021. 11. 2.</a:t>
+              <a:t>2021. 11. 9.</a:t>
             </a:fld>
             <a:endParaRPr kumimoji="1" lang="ko-KR" altLang="en-US"/>
           </a:p>
@@ -2378,7 +2386,7 @@
           <a:p>
             <a:fld id="{0A2376C3-CD14-4C4C-A74D-18D60B79FCE1}" type="datetimeFigureOut">
               <a:rPr kumimoji="1" lang="ko-KR" altLang="en-US" smtClean="0"/>
-              <a:t>2021. 11. 2.</a:t>
+              <a:t>2021. 11. 9.</a:t>
             </a:fld>
             <a:endParaRPr kumimoji="1" lang="ko-KR" altLang="en-US"/>
           </a:p>
@@ -2666,7 +2674,7 @@
           <a:p>
             <a:fld id="{0A2376C3-CD14-4C4C-A74D-18D60B79FCE1}" type="datetimeFigureOut">
               <a:rPr kumimoji="1" lang="ko-KR" altLang="en-US" smtClean="0"/>
-              <a:t>2021. 11. 2.</a:t>
+              <a:t>2021. 11. 9.</a:t>
             </a:fld>
             <a:endParaRPr kumimoji="1" lang="ko-KR" altLang="en-US"/>
           </a:p>
@@ -2907,7 +2915,7 @@
           <a:p>
             <a:fld id="{0A2376C3-CD14-4C4C-A74D-18D60B79FCE1}" type="datetimeFigureOut">
               <a:rPr kumimoji="1" lang="ko-KR" altLang="en-US" smtClean="0"/>
-              <a:t>2021. 11. 2.</a:t>
+              <a:t>2021. 11. 9.</a:t>
             </a:fld>
             <a:endParaRPr kumimoji="1" lang="ko-KR" altLang="en-US"/>
           </a:p>
@@ -3345,7 +3353,11 @@
           <a:bodyPr/>
           <a:lstStyle/>
           <a:p>
-            <a:endParaRPr kumimoji="1" lang="ko-KR" altLang="en-US"/>
+            <a:r>
+              <a:rPr kumimoji="1" lang="en-US" altLang="ko-KR" dirty="0"/>
+              <a:t>Lab1</a:t>
+            </a:r>
+            <a:endParaRPr kumimoji="1" lang="ko-KR" altLang="en-US" dirty="0"/>
           </a:p>
         </p:txBody>
       </p:sp>
@@ -3757,6 +3769,40 @@
           </a:p>
         </p:txBody>
       </p:sp>
+      <p:sp>
+        <p:nvSpPr>
+          <p:cNvPr id="4" name="제목 1">
+            <a:extLst>
+              <a:ext uri="{FF2B5EF4-FFF2-40B4-BE49-F238E27FC236}">
+                <a16:creationId xmlns:a16="http://schemas.microsoft.com/office/drawing/2014/main" id="{293EB874-F22B-B64D-B3B1-B5B9843B03EE}"/>
+              </a:ext>
+            </a:extLst>
+          </p:cNvPr>
+          <p:cNvSpPr>
+            <a:spLocks noGrp="1"/>
+          </p:cNvSpPr>
+          <p:nvPr>
+            <p:ph type="title"/>
+          </p:nvPr>
+        </p:nvSpPr>
+        <p:spPr>
+          <a:xfrm>
+            <a:off x="838200" y="0"/>
+            <a:ext cx="10515600" cy="756745"/>
+          </a:xfrm>
+        </p:spPr>
+        <p:txBody>
+          <a:bodyPr/>
+          <a:lstStyle/>
+          <a:p>
+            <a:r>
+              <a:rPr kumimoji="1" lang="en-US" altLang="ko-KR" dirty="0"/>
+              <a:t>Answers to Section 3 Written Questions</a:t>
+            </a:r>
+            <a:endParaRPr kumimoji="1" lang="ko-KR" altLang="en-US" dirty="0"/>
+          </a:p>
+        </p:txBody>
+      </p:sp>
     </p:spTree>
     <p:extLst>
       <p:ext uri="{BB962C8B-B14F-4D97-AF65-F5344CB8AC3E}">
@@ -3789,192 +3835,174 @@
       </p:grpSpPr>
       <p:sp>
         <p:nvSpPr>
-          <p:cNvPr id="5" name="내용 개체 틀 2">
-            <a:extLst>
-              <a:ext uri="{FF2B5EF4-FFF2-40B4-BE49-F238E27FC236}">
-                <a16:creationId xmlns:a16="http://schemas.microsoft.com/office/drawing/2014/main" id="{EE69D30F-D9B2-D747-96E2-A259087A6913}"/>
-              </a:ext>
-            </a:extLst>
-          </p:cNvPr>
-          <p:cNvSpPr>
-            <a:spLocks noGrp="1"/>
-          </p:cNvSpPr>
-          <p:nvPr>
-            <p:ph idx="1"/>
+          <p:cNvPr id="4" name="제목 1">
+            <a:extLst>
+              <a:ext uri="{FF2B5EF4-FFF2-40B4-BE49-F238E27FC236}">
+                <a16:creationId xmlns:a16="http://schemas.microsoft.com/office/drawing/2014/main" id="{636EED17-C61F-F846-A1F2-E1B94A50933B}"/>
+              </a:ext>
+            </a:extLst>
+          </p:cNvPr>
+          <p:cNvSpPr>
+            <a:spLocks noGrp="1"/>
+          </p:cNvSpPr>
+          <p:nvPr>
+            <p:ph type="title"/>
           </p:nvPr>
         </p:nvSpPr>
         <p:spPr>
           <a:xfrm>
-            <a:off x="838200" y="2197509"/>
-            <a:ext cx="10515600" cy="2462981"/>
+            <a:off x="2557955" y="0"/>
+            <a:ext cx="7076090" cy="756745"/>
           </a:xfrm>
         </p:spPr>
         <p:txBody>
-          <a:bodyPr>
-            <a:normAutofit/>
+          <a:bodyPr/>
+          <a:lstStyle/>
+          <a:p>
+            <a:r>
+              <a:rPr kumimoji="1" lang="en-US" altLang="ko-KR" dirty="0"/>
+              <a:t>Publishers and Subscribers</a:t>
+            </a:r>
+            <a:endParaRPr kumimoji="1" lang="ko-KR" altLang="en-US" dirty="0"/>
+          </a:p>
+        </p:txBody>
+      </p:sp>
+      <p:pic>
+        <p:nvPicPr>
+          <p:cNvPr id="6" name="그림 5" descr="텍스트이(가) 표시된 사진&#10;&#10;자동 생성된 설명">
+            <a:extLst>
+              <a:ext uri="{FF2B5EF4-FFF2-40B4-BE49-F238E27FC236}">
+                <a16:creationId xmlns:a16="http://schemas.microsoft.com/office/drawing/2014/main" id="{82E2619C-71AF-2340-B3CA-B4283A6E4FB0}"/>
+              </a:ext>
+            </a:extLst>
+          </p:cNvPr>
+          <p:cNvPicPr>
+            <a:picLocks noChangeAspect="1"/>
+          </p:cNvPicPr>
+          <p:nvPr/>
+        </p:nvPicPr>
+        <p:blipFill>
+          <a:blip r:embed="rId2"/>
+          <a:stretch>
+            <a:fillRect/>
+          </a:stretch>
+        </p:blipFill>
+        <p:spPr>
+          <a:xfrm>
+            <a:off x="6096000" y="1727200"/>
+            <a:ext cx="6096000" cy="3403600"/>
+          </a:xfrm>
+          <a:prstGeom prst="rect">
+            <a:avLst/>
+          </a:prstGeom>
+        </p:spPr>
+      </p:pic>
+      <p:pic>
+        <p:nvPicPr>
+          <p:cNvPr id="8" name="그림 7" descr="텍스트이(가) 표시된 사진&#10;&#10;자동 생성된 설명">
+            <a:extLst>
+              <a:ext uri="{FF2B5EF4-FFF2-40B4-BE49-F238E27FC236}">
+                <a16:creationId xmlns:a16="http://schemas.microsoft.com/office/drawing/2014/main" id="{D8E81855-CE11-F64B-8047-7E3B9676A3E3}"/>
+              </a:ext>
+            </a:extLst>
+          </p:cNvPr>
+          <p:cNvPicPr>
+            <a:picLocks noChangeAspect="1"/>
+          </p:cNvPicPr>
+          <p:nvPr/>
+        </p:nvPicPr>
+        <p:blipFill>
+          <a:blip r:embed="rId3"/>
+          <a:stretch>
+            <a:fillRect/>
+          </a:stretch>
+        </p:blipFill>
+        <p:spPr>
+          <a:xfrm>
+            <a:off x="0" y="1727200"/>
+            <a:ext cx="6096000" cy="3403600"/>
+          </a:xfrm>
+          <a:prstGeom prst="rect">
+            <a:avLst/>
+          </a:prstGeom>
+        </p:spPr>
+      </p:pic>
+      <p:sp>
+        <p:nvSpPr>
+          <p:cNvPr id="9" name="TextBox 8">
+            <a:extLst>
+              <a:ext uri="{FF2B5EF4-FFF2-40B4-BE49-F238E27FC236}">
+                <a16:creationId xmlns:a16="http://schemas.microsoft.com/office/drawing/2014/main" id="{4C61FB9A-4E5F-5E4F-8689-0119A4A1E07E}"/>
+              </a:ext>
+            </a:extLst>
+          </p:cNvPr>
+          <p:cNvSpPr txBox="1"/>
+          <p:nvPr/>
+        </p:nvSpPr>
+        <p:spPr>
+          <a:xfrm>
+            <a:off x="2083216" y="1357868"/>
+            <a:ext cx="1929567" cy="369332"/>
+          </a:xfrm>
+          <a:prstGeom prst="rect">
+            <a:avLst/>
+          </a:prstGeom>
+          <a:noFill/>
+        </p:spPr>
+        <p:txBody>
+          <a:bodyPr wrap="none" rtlCol="0">
+            <a:spAutoFit/>
           </a:bodyPr>
           <a:lstStyle/>
           <a:p>
             <a:r>
-              <a:rPr lang="en" altLang="ko-KR" sz="1800" dirty="0"/>
-              <a:t>Is there a </a:t>
-            </a:r>
-            <a:r>
-              <a:rPr lang="en" altLang="ko-KR" sz="1800" dirty="0" err="1"/>
-              <a:t>nodehandle</a:t>
-            </a:r>
-            <a:r>
-              <a:rPr lang="en" altLang="ko-KR" sz="1800" dirty="0"/>
-              <a:t> object in python? What is the significance of </a:t>
-            </a:r>
-            <a:r>
-              <a:rPr lang="en" altLang="ko-KR" sz="1800" dirty="0" err="1"/>
-              <a:t>rospy.init</a:t>
-            </a:r>
-            <a:r>
-              <a:rPr lang="en" altLang="ko-KR" sz="1800" dirty="0"/>
-              <a:t> node() </a:t>
-            </a:r>
-          </a:p>
-          <a:p>
-            <a:pPr marL="0" indent="0">
-              <a:buNone/>
-            </a:pPr>
-            <a:r>
-              <a:rPr lang="en-US" altLang="ko-KR" dirty="0"/>
-              <a:t>: </a:t>
-            </a:r>
-            <a:r>
-              <a:rPr lang="en-US" altLang="ko-KR" sz="1400" dirty="0" err="1"/>
-              <a:t>rospy</a:t>
-            </a:r>
-            <a:r>
-              <a:rPr lang="ko-KR" altLang="en-US" sz="1400" dirty="0"/>
-              <a:t>에는 </a:t>
-            </a:r>
-            <a:r>
-              <a:rPr lang="en-US" altLang="ko-KR" sz="1400" dirty="0" err="1"/>
-              <a:t>nodehandel</a:t>
-            </a:r>
-            <a:r>
-              <a:rPr lang="ko-KR" altLang="en-US" sz="1400" dirty="0"/>
-              <a:t> 객체가 없다</a:t>
-            </a:r>
-            <a:r>
-              <a:rPr lang="en-US" altLang="ko-KR" sz="1400" dirty="0"/>
-              <a:t>.</a:t>
-            </a:r>
-            <a:r>
-              <a:rPr lang="ko-KR" altLang="en-US" sz="1400" dirty="0"/>
-              <a:t> </a:t>
-            </a:r>
-            <a:r>
-              <a:rPr lang="en" altLang="ko-KR" sz="1400" dirty="0" err="1"/>
-              <a:t>nit_node</a:t>
-            </a:r>
-            <a:r>
-              <a:rPr lang="en" altLang="ko-KR" sz="1400" dirty="0"/>
-              <a:t>() </a:t>
-            </a:r>
-            <a:r>
-              <a:rPr lang="ko-KR" altLang="en-US" sz="1400" dirty="0"/>
-              <a:t>호출의 일부로 노드의 기본 이름을 전달한다</a:t>
-            </a:r>
-            <a:r>
-              <a:rPr lang="en-US" altLang="ko-KR" sz="1400" dirty="0"/>
-              <a:t>.</a:t>
-            </a:r>
-            <a:r>
-              <a:rPr lang="ko-KR" altLang="en-US" sz="1400" dirty="0"/>
-              <a:t> 코드를 실행할 때 인수를 다시 매핑하여 재정의하지 않는 한 노드가 온라인으로 표시되는 이름이다</a:t>
-            </a:r>
-            <a:r>
-              <a:rPr lang="en-US" altLang="ko-KR" sz="1400" dirty="0"/>
-              <a:t>.</a:t>
-            </a:r>
-          </a:p>
-          <a:p>
-            <a:r>
-              <a:rPr lang="en" altLang="ko-KR" sz="1800" dirty="0"/>
-              <a:t>How do you control callbacks in python for the subscribers? Do you need spin() or </a:t>
-            </a:r>
-            <a:r>
-              <a:rPr lang="en" altLang="ko-KR" sz="1800" dirty="0" err="1"/>
-              <a:t>spinonce</a:t>
-            </a:r>
-            <a:r>
-              <a:rPr lang="en" altLang="ko-KR" sz="1800" dirty="0"/>
-              <a:t>() in python? </a:t>
-            </a:r>
-          </a:p>
-          <a:p>
-            <a:pPr marL="0" indent="0">
-              <a:buNone/>
-            </a:pPr>
-            <a:r>
-              <a:rPr lang="en-US" altLang="ko-KR" dirty="0"/>
-              <a:t>:</a:t>
-            </a:r>
-            <a:r>
-              <a:rPr lang="ko-KR" altLang="en-US" dirty="0"/>
-              <a:t> </a:t>
-            </a:r>
-            <a:r>
-              <a:rPr lang="ko-KR" altLang="en-US" sz="1400" dirty="0"/>
-              <a:t>함수가 실행이 끝나면 </a:t>
-            </a:r>
-            <a:r>
-              <a:rPr lang="ko-KR" altLang="en-US" sz="1400" dirty="0" err="1"/>
-              <a:t>파이썬의</a:t>
-            </a:r>
-            <a:r>
-              <a:rPr lang="ko-KR" altLang="en-US" sz="1400" dirty="0"/>
-              <a:t> </a:t>
-            </a:r>
-            <a:r>
-              <a:rPr lang="en-US" altLang="ko-KR" sz="1400" dirty="0"/>
-              <a:t>submit</a:t>
-            </a:r>
-            <a:r>
-              <a:rPr lang="ko-KR" altLang="en-US" sz="1400" dirty="0"/>
-              <a:t>함수는 제공한 모든 인수와 함수의 결과로 </a:t>
-            </a:r>
-            <a:r>
-              <a:rPr lang="ko-KR" altLang="en-US" sz="1400" dirty="0" err="1"/>
-              <a:t>콜백을</a:t>
-            </a:r>
-            <a:r>
-              <a:rPr lang="ko-KR" altLang="en-US" sz="1400" dirty="0"/>
-              <a:t> 호출한다</a:t>
-            </a:r>
-            <a:r>
-              <a:rPr lang="en-US" altLang="ko-KR" sz="1400" dirty="0"/>
-              <a:t>.</a:t>
-            </a:r>
-            <a:r>
-              <a:rPr lang="ko-KR" altLang="en-US" sz="1400" dirty="0"/>
-              <a:t> </a:t>
-            </a:r>
-            <a:r>
-              <a:rPr lang="en" altLang="ko-KR" sz="1400" dirty="0"/>
-              <a:t>spin()</a:t>
-            </a:r>
-            <a:r>
-              <a:rPr lang="ko-KR" altLang="en-US" sz="1400" dirty="0"/>
-              <a:t> 필요하다</a:t>
-            </a:r>
-            <a:r>
-              <a:rPr lang="en-US" altLang="ko-KR" sz="1400" dirty="0"/>
-              <a:t>.</a:t>
-            </a:r>
-            <a:endParaRPr lang="en" altLang="ko-KR" sz="1400" dirty="0"/>
+              <a:rPr kumimoji="1" lang="en-US" altLang="ko-KR" dirty="0" err="1"/>
+              <a:t>farthest_point.py</a:t>
+            </a:r>
+            <a:endParaRPr kumimoji="1" lang="en-US" altLang="ko-KR" dirty="0"/>
+          </a:p>
+        </p:txBody>
+      </p:sp>
+      <p:sp>
+        <p:nvSpPr>
+          <p:cNvPr id="10" name="TextBox 9">
+            <a:extLst>
+              <a:ext uri="{FF2B5EF4-FFF2-40B4-BE49-F238E27FC236}">
+                <a16:creationId xmlns:a16="http://schemas.microsoft.com/office/drawing/2014/main" id="{2F4E3B9D-E9BA-B94E-ABFB-823D61A790FB}"/>
+              </a:ext>
+            </a:extLst>
+          </p:cNvPr>
+          <p:cNvSpPr txBox="1"/>
+          <p:nvPr/>
+        </p:nvSpPr>
+        <p:spPr>
+          <a:xfrm>
+            <a:off x="8226120" y="1357868"/>
+            <a:ext cx="1835759" cy="369332"/>
+          </a:xfrm>
+          <a:prstGeom prst="rect">
+            <a:avLst/>
+          </a:prstGeom>
+          <a:noFill/>
+        </p:spPr>
+        <p:txBody>
+          <a:bodyPr wrap="none" rtlCol="0">
+            <a:spAutoFit/>
+          </a:bodyPr>
+          <a:lstStyle/>
+          <a:p>
+            <a:r>
+              <a:rPr kumimoji="1" lang="en-US" altLang="ko-KR" dirty="0" err="1"/>
+              <a:t>closest_point.py</a:t>
+            </a:r>
+            <a:endParaRPr kumimoji="1" lang="en-US" altLang="ko-KR" dirty="0"/>
           </a:p>
         </p:txBody>
       </p:sp>
     </p:spTree>
     <p:extLst>
       <p:ext uri="{BB962C8B-B14F-4D97-AF65-F5344CB8AC3E}">
-        <p14:creationId xmlns:p14="http://schemas.microsoft.com/office/powerpoint/2010/main" val="828682999"/>
+        <p14:creationId xmlns:p14="http://schemas.microsoft.com/office/powerpoint/2010/main" val="83688274"/>
       </p:ext>
     </p:extLst>
   </p:cSld>
@@ -4003,6 +4031,382 @@
       </p:grpSpPr>
       <p:sp>
         <p:nvSpPr>
+          <p:cNvPr id="5" name="내용 개체 틀 2">
+            <a:extLst>
+              <a:ext uri="{FF2B5EF4-FFF2-40B4-BE49-F238E27FC236}">
+                <a16:creationId xmlns:a16="http://schemas.microsoft.com/office/drawing/2014/main" id="{EE69D30F-D9B2-D747-96E2-A259087A6913}"/>
+              </a:ext>
+            </a:extLst>
+          </p:cNvPr>
+          <p:cNvSpPr>
+            <a:spLocks noGrp="1"/>
+          </p:cNvSpPr>
+          <p:nvPr>
+            <p:ph idx="1"/>
+          </p:nvPr>
+        </p:nvSpPr>
+        <p:spPr>
+          <a:xfrm>
+            <a:off x="838200" y="2197509"/>
+            <a:ext cx="10515600" cy="2462981"/>
+          </a:xfrm>
+        </p:spPr>
+        <p:txBody>
+          <a:bodyPr>
+            <a:normAutofit/>
+          </a:bodyPr>
+          <a:lstStyle/>
+          <a:p>
+            <a:r>
+              <a:rPr lang="en" altLang="ko-KR" sz="1800" dirty="0"/>
+              <a:t>Is there a </a:t>
+            </a:r>
+            <a:r>
+              <a:rPr lang="en" altLang="ko-KR" sz="1800" dirty="0" err="1"/>
+              <a:t>nodehandle</a:t>
+            </a:r>
+            <a:r>
+              <a:rPr lang="en" altLang="ko-KR" sz="1800" dirty="0"/>
+              <a:t> object in python? What is the significance of </a:t>
+            </a:r>
+            <a:r>
+              <a:rPr lang="en" altLang="ko-KR" sz="1800" dirty="0" err="1"/>
+              <a:t>rospy.init</a:t>
+            </a:r>
+            <a:r>
+              <a:rPr lang="en" altLang="ko-KR" sz="1800" dirty="0"/>
+              <a:t> node() </a:t>
+            </a:r>
+          </a:p>
+          <a:p>
+            <a:pPr marL="0" indent="0">
+              <a:buNone/>
+            </a:pPr>
+            <a:r>
+              <a:rPr lang="en-US" altLang="ko-KR" dirty="0"/>
+              <a:t>: </a:t>
+            </a:r>
+            <a:r>
+              <a:rPr lang="en-US" altLang="ko-KR" sz="1400" dirty="0" err="1"/>
+              <a:t>rospy</a:t>
+            </a:r>
+            <a:r>
+              <a:rPr lang="ko-KR" altLang="en-US" sz="1400" dirty="0"/>
+              <a:t>에는 </a:t>
+            </a:r>
+            <a:r>
+              <a:rPr lang="en-US" altLang="ko-KR" sz="1400" dirty="0" err="1"/>
+              <a:t>nodehandel</a:t>
+            </a:r>
+            <a:r>
+              <a:rPr lang="ko-KR" altLang="en-US" sz="1400" dirty="0"/>
+              <a:t> 객체가 없다</a:t>
+            </a:r>
+            <a:r>
+              <a:rPr lang="en-US" altLang="ko-KR" sz="1400" dirty="0"/>
+              <a:t>.</a:t>
+            </a:r>
+            <a:r>
+              <a:rPr lang="ko-KR" altLang="en-US" sz="1400" dirty="0"/>
+              <a:t> </a:t>
+            </a:r>
+            <a:r>
+              <a:rPr lang="en-US" altLang="ko-KR" sz="1400" dirty="0" err="1"/>
+              <a:t>i</a:t>
+            </a:r>
+            <a:r>
+              <a:rPr lang="en" altLang="ko-KR" sz="1400" dirty="0" err="1"/>
+              <a:t>nit_node</a:t>
+            </a:r>
+            <a:r>
+              <a:rPr lang="en" altLang="ko-KR" sz="1400" dirty="0"/>
+              <a:t>() </a:t>
+            </a:r>
+            <a:r>
+              <a:rPr lang="ko-KR" altLang="en-US" sz="1400" dirty="0"/>
+              <a:t>호출의 일부로 노드의 기본 이름을 전달한다</a:t>
+            </a:r>
+            <a:r>
+              <a:rPr lang="en-US" altLang="ko-KR" sz="1400" dirty="0"/>
+              <a:t>.</a:t>
+            </a:r>
+            <a:r>
+              <a:rPr lang="ko-KR" altLang="en-US" sz="1400" dirty="0"/>
+              <a:t> 코드를 실행할 때 인수를 다시 매핑하여 재정의하지 않는 한 노드가 온라인으로 표시되는 이름이다</a:t>
+            </a:r>
+            <a:r>
+              <a:rPr lang="en-US" altLang="ko-KR" sz="1400" dirty="0"/>
+              <a:t>.</a:t>
+            </a:r>
+          </a:p>
+          <a:p>
+            <a:r>
+              <a:rPr lang="en" altLang="ko-KR" sz="1800" dirty="0"/>
+              <a:t>How do you control callbacks in python for the subscribers? Do you need spin() or </a:t>
+            </a:r>
+            <a:r>
+              <a:rPr lang="en" altLang="ko-KR" sz="1800" dirty="0" err="1"/>
+              <a:t>spinonce</a:t>
+            </a:r>
+            <a:r>
+              <a:rPr lang="en" altLang="ko-KR" sz="1800" dirty="0"/>
+              <a:t>() in python? </a:t>
+            </a:r>
+          </a:p>
+          <a:p>
+            <a:pPr marL="0" indent="0">
+              <a:buNone/>
+            </a:pPr>
+            <a:r>
+              <a:rPr lang="en-US" altLang="ko-KR" dirty="0"/>
+              <a:t>:</a:t>
+            </a:r>
+            <a:r>
+              <a:rPr lang="ko-KR" altLang="en-US" dirty="0"/>
+              <a:t> </a:t>
+            </a:r>
+            <a:r>
+              <a:rPr lang="ko-KR" altLang="en-US" sz="1400" dirty="0"/>
+              <a:t>함수가 실행이 끝나면 </a:t>
+            </a:r>
+            <a:r>
+              <a:rPr lang="ko-KR" altLang="en-US" sz="1400" dirty="0" err="1"/>
+              <a:t>파이썬의</a:t>
+            </a:r>
+            <a:r>
+              <a:rPr lang="ko-KR" altLang="en-US" sz="1400" dirty="0"/>
+              <a:t> </a:t>
+            </a:r>
+            <a:r>
+              <a:rPr lang="en-US" altLang="ko-KR" sz="1400" dirty="0"/>
+              <a:t>submit</a:t>
+            </a:r>
+            <a:r>
+              <a:rPr lang="ko-KR" altLang="en-US" sz="1400" dirty="0"/>
+              <a:t>함수는 제공한 모든 인수와 함수의 결과로 </a:t>
+            </a:r>
+            <a:r>
+              <a:rPr lang="ko-KR" altLang="en-US" sz="1400" dirty="0" err="1"/>
+              <a:t>콜백을</a:t>
+            </a:r>
+            <a:r>
+              <a:rPr lang="ko-KR" altLang="en-US" sz="1400" dirty="0"/>
+              <a:t> 호출한다</a:t>
+            </a:r>
+            <a:r>
+              <a:rPr lang="en-US" altLang="ko-KR" sz="1400" dirty="0"/>
+              <a:t>.</a:t>
+            </a:r>
+            <a:r>
+              <a:rPr lang="ko-KR" altLang="en-US" sz="1400" dirty="0"/>
+              <a:t> </a:t>
+            </a:r>
+            <a:r>
+              <a:rPr lang="en" altLang="ko-KR" sz="1400" dirty="0"/>
+              <a:t>spin()</a:t>
+            </a:r>
+            <a:r>
+              <a:rPr lang="ko-KR" altLang="en-US" sz="1400" dirty="0"/>
+              <a:t> 필요하다</a:t>
+            </a:r>
+            <a:r>
+              <a:rPr lang="en-US" altLang="ko-KR" sz="1400" dirty="0"/>
+              <a:t>.</a:t>
+            </a:r>
+            <a:endParaRPr lang="en" altLang="ko-KR" sz="1400" dirty="0"/>
+          </a:p>
+        </p:txBody>
+      </p:sp>
+      <p:sp>
+        <p:nvSpPr>
+          <p:cNvPr id="3" name="제목 1">
+            <a:extLst>
+              <a:ext uri="{FF2B5EF4-FFF2-40B4-BE49-F238E27FC236}">
+                <a16:creationId xmlns:a16="http://schemas.microsoft.com/office/drawing/2014/main" id="{2A15C9D9-EA7F-1345-ACAF-985B04CDFD2F}"/>
+              </a:ext>
+            </a:extLst>
+          </p:cNvPr>
+          <p:cNvSpPr>
+            <a:spLocks noGrp="1"/>
+          </p:cNvSpPr>
+          <p:nvPr>
+            <p:ph type="title"/>
+          </p:nvPr>
+        </p:nvSpPr>
+        <p:spPr>
+          <a:xfrm>
+            <a:off x="838200" y="0"/>
+            <a:ext cx="10515600" cy="756745"/>
+          </a:xfrm>
+        </p:spPr>
+        <p:txBody>
+          <a:bodyPr/>
+          <a:lstStyle/>
+          <a:p>
+            <a:r>
+              <a:rPr kumimoji="1" lang="en-US" altLang="ko-KR" dirty="0"/>
+              <a:t>Answers to Section 4 Written Questions</a:t>
+            </a:r>
+            <a:endParaRPr kumimoji="1" lang="ko-KR" altLang="en-US" dirty="0"/>
+          </a:p>
+        </p:txBody>
+      </p:sp>
+    </p:spTree>
+    <p:extLst>
+      <p:ext uri="{BB962C8B-B14F-4D97-AF65-F5344CB8AC3E}">
+        <p14:creationId xmlns:p14="http://schemas.microsoft.com/office/powerpoint/2010/main" val="828682999"/>
+      </p:ext>
+    </p:extLst>
+  </p:cSld>
+  <p:clrMapOvr>
+    <a:masterClrMapping/>
+  </p:clrMapOvr>
+</p:sld>
+</file>
+
+<file path=ppt/slides/slide5.xml><?xml version="1.0" encoding="utf-8"?>
+<p:sld xmlns:a="http://schemas.openxmlformats.org/drawingml/2006/main" xmlns:r="http://schemas.openxmlformats.org/officeDocument/2006/relationships" xmlns:p="http://schemas.openxmlformats.org/presentationml/2006/main">
+  <p:cSld>
+    <p:spTree>
+      <p:nvGrpSpPr>
+        <p:cNvPr id="1" name=""/>
+        <p:cNvGrpSpPr/>
+        <p:nvPr/>
+      </p:nvGrpSpPr>
+      <p:grpSpPr>
+        <a:xfrm>
+          <a:off x="0" y="0"/>
+          <a:ext cx="0" cy="0"/>
+          <a:chOff x="0" y="0"/>
+          <a:chExt cx="0" cy="0"/>
+        </a:xfrm>
+      </p:grpSpPr>
+      <p:sp>
+        <p:nvSpPr>
+          <p:cNvPr id="2" name="제목 1">
+            <a:extLst>
+              <a:ext uri="{FF2B5EF4-FFF2-40B4-BE49-F238E27FC236}">
+                <a16:creationId xmlns:a16="http://schemas.microsoft.com/office/drawing/2014/main" id="{094BC474-9779-5149-9158-402AD8665E53}"/>
+              </a:ext>
+            </a:extLst>
+          </p:cNvPr>
+          <p:cNvSpPr>
+            <a:spLocks noGrp="1"/>
+          </p:cNvSpPr>
+          <p:nvPr>
+            <p:ph type="title"/>
+          </p:nvPr>
+        </p:nvSpPr>
+        <p:spPr>
+          <a:xfrm>
+            <a:off x="1473200" y="0"/>
+            <a:ext cx="9245600" cy="717441"/>
+          </a:xfrm>
+        </p:spPr>
+        <p:txBody>
+          <a:bodyPr/>
+          <a:lstStyle/>
+          <a:p>
+            <a:r>
+              <a:rPr kumimoji="1" lang="en-US" altLang="ko-KR" dirty="0"/>
+              <a:t>Implementing Custom Messages</a:t>
+            </a:r>
+            <a:endParaRPr kumimoji="1" lang="ko-KR" altLang="en-US" dirty="0"/>
+          </a:p>
+        </p:txBody>
+      </p:sp>
+      <p:pic>
+        <p:nvPicPr>
+          <p:cNvPr id="5" name="그림 4" descr="텍스트이(가) 표시된 사진&#10;&#10;자동 생성된 설명">
+            <a:extLst>
+              <a:ext uri="{FF2B5EF4-FFF2-40B4-BE49-F238E27FC236}">
+                <a16:creationId xmlns:a16="http://schemas.microsoft.com/office/drawing/2014/main" id="{F9EF2444-4CA6-FB4A-B147-9F384AAF86C5}"/>
+              </a:ext>
+            </a:extLst>
+          </p:cNvPr>
+          <p:cNvPicPr>
+            <a:picLocks noChangeAspect="1"/>
+          </p:cNvPicPr>
+          <p:nvPr/>
+        </p:nvPicPr>
+        <p:blipFill>
+          <a:blip r:embed="rId2"/>
+          <a:stretch>
+            <a:fillRect/>
+          </a:stretch>
+        </p:blipFill>
+        <p:spPr>
+          <a:xfrm>
+            <a:off x="2108200" y="3429000"/>
+            <a:ext cx="7975600" cy="2044700"/>
+          </a:xfrm>
+          <a:prstGeom prst="rect">
+            <a:avLst/>
+          </a:prstGeom>
+        </p:spPr>
+      </p:pic>
+      <p:pic>
+        <p:nvPicPr>
+          <p:cNvPr id="7" name="그림 6" descr="텍스트이(가) 표시된 사진&#10;&#10;자동 생성된 설명">
+            <a:extLst>
+              <a:ext uri="{FF2B5EF4-FFF2-40B4-BE49-F238E27FC236}">
+                <a16:creationId xmlns:a16="http://schemas.microsoft.com/office/drawing/2014/main" id="{4CFF4656-A355-424F-938C-4915052CB06C}"/>
+              </a:ext>
+            </a:extLst>
+          </p:cNvPr>
+          <p:cNvPicPr>
+            <a:picLocks noChangeAspect="1"/>
+          </p:cNvPicPr>
+          <p:nvPr/>
+        </p:nvPicPr>
+        <p:blipFill>
+          <a:blip r:embed="rId3"/>
+          <a:stretch>
+            <a:fillRect/>
+          </a:stretch>
+        </p:blipFill>
+        <p:spPr>
+          <a:xfrm>
+            <a:off x="1768475" y="1690688"/>
+            <a:ext cx="8655050" cy="1660357"/>
+          </a:xfrm>
+          <a:prstGeom prst="rect">
+            <a:avLst/>
+          </a:prstGeom>
+        </p:spPr>
+      </p:pic>
+    </p:spTree>
+    <p:extLst>
+      <p:ext uri="{BB962C8B-B14F-4D97-AF65-F5344CB8AC3E}">
+        <p14:creationId xmlns:p14="http://schemas.microsoft.com/office/powerpoint/2010/main" val="804073154"/>
+      </p:ext>
+    </p:extLst>
+  </p:cSld>
+  <p:clrMapOvr>
+    <a:masterClrMapping/>
+  </p:clrMapOvr>
+</p:sld>
+</file>
+
+<file path=ppt/slides/slide6.xml><?xml version="1.0" encoding="utf-8"?>
+<p:sld xmlns:a="http://schemas.openxmlformats.org/drawingml/2006/main" xmlns:r="http://schemas.openxmlformats.org/officeDocument/2006/relationships" xmlns:p="http://schemas.openxmlformats.org/presentationml/2006/main">
+  <p:cSld>
+    <p:spTree>
+      <p:nvGrpSpPr>
+        <p:cNvPr id="1" name=""/>
+        <p:cNvGrpSpPr/>
+        <p:nvPr/>
+      </p:nvGrpSpPr>
+      <p:grpSpPr>
+        <a:xfrm>
+          <a:off x="0" y="0"/>
+          <a:ext cx="0" cy="0"/>
+          <a:chOff x="0" y="0"/>
+          <a:chExt cx="0" cy="0"/>
+        </a:xfrm>
+      </p:grpSpPr>
+      <p:sp>
+        <p:nvSpPr>
           <p:cNvPr id="4" name="내용 개체 틀 2">
             <a:extLst>
               <a:ext uri="{FF2B5EF4-FFF2-40B4-BE49-F238E27FC236}">
@@ -4127,10 +4531,255 @@
           </a:p>
         </p:txBody>
       </p:sp>
+      <p:sp>
+        <p:nvSpPr>
+          <p:cNvPr id="3" name="제목 1">
+            <a:extLst>
+              <a:ext uri="{FF2B5EF4-FFF2-40B4-BE49-F238E27FC236}">
+                <a16:creationId xmlns:a16="http://schemas.microsoft.com/office/drawing/2014/main" id="{1A7FCF46-201A-1A4F-9E71-22BAA8EF6242}"/>
+              </a:ext>
+            </a:extLst>
+          </p:cNvPr>
+          <p:cNvSpPr>
+            <a:spLocks noGrp="1"/>
+          </p:cNvSpPr>
+          <p:nvPr>
+            <p:ph type="title"/>
+          </p:nvPr>
+        </p:nvSpPr>
+        <p:spPr>
+          <a:xfrm>
+            <a:off x="838200" y="0"/>
+            <a:ext cx="10515600" cy="756745"/>
+          </a:xfrm>
+        </p:spPr>
+        <p:txBody>
+          <a:bodyPr>
+            <a:normAutofit/>
+          </a:bodyPr>
+          <a:lstStyle/>
+          <a:p>
+            <a:r>
+              <a:rPr kumimoji="1" lang="en-US" altLang="ko-KR" dirty="0"/>
+              <a:t>Answers to Section 5 Written Questions</a:t>
+            </a:r>
+            <a:endParaRPr kumimoji="1" lang="ko-KR" altLang="en-US" dirty="0"/>
+          </a:p>
+        </p:txBody>
+      </p:sp>
     </p:spTree>
     <p:extLst>
       <p:ext uri="{BB962C8B-B14F-4D97-AF65-F5344CB8AC3E}">
         <p14:creationId xmlns:p14="http://schemas.microsoft.com/office/powerpoint/2010/main" val="1493642197"/>
+      </p:ext>
+    </p:extLst>
+  </p:cSld>
+  <p:clrMapOvr>
+    <a:masterClrMapping/>
+  </p:clrMapOvr>
+</p:sld>
+</file>
+
+<file path=ppt/slides/slide7.xml><?xml version="1.0" encoding="utf-8"?>
+<p:sld xmlns:a="http://schemas.openxmlformats.org/drawingml/2006/main" xmlns:r="http://schemas.openxmlformats.org/officeDocument/2006/relationships" xmlns:p="http://schemas.openxmlformats.org/presentationml/2006/main">
+  <p:cSld>
+    <p:spTree>
+      <p:nvGrpSpPr>
+        <p:cNvPr id="1" name=""/>
+        <p:cNvGrpSpPr/>
+        <p:nvPr/>
+      </p:nvGrpSpPr>
+      <p:grpSpPr>
+        <a:xfrm>
+          <a:off x="0" y="0"/>
+          <a:ext cx="0" cy="0"/>
+          <a:chOff x="0" y="0"/>
+          <a:chExt cx="0" cy="0"/>
+        </a:xfrm>
+      </p:grpSpPr>
+      <p:sp>
+        <p:nvSpPr>
+          <p:cNvPr id="4" name="내용 개체 틀 2">
+            <a:extLst>
+              <a:ext uri="{FF2B5EF4-FFF2-40B4-BE49-F238E27FC236}">
+                <a16:creationId xmlns:a16="http://schemas.microsoft.com/office/drawing/2014/main" id="{07E07E3F-D5A6-8A40-87C9-64D20ACEE52F}"/>
+              </a:ext>
+            </a:extLst>
+          </p:cNvPr>
+          <p:cNvSpPr>
+            <a:spLocks noGrp="1"/>
+          </p:cNvSpPr>
+          <p:nvPr>
+            <p:ph idx="1"/>
+          </p:nvPr>
+        </p:nvSpPr>
+        <p:spPr>
+          <a:xfrm>
+            <a:off x="838200" y="2713702"/>
+            <a:ext cx="10515600" cy="2331263"/>
+          </a:xfrm>
+        </p:spPr>
+        <p:txBody>
+          <a:bodyPr>
+            <a:normAutofit/>
+          </a:bodyPr>
+          <a:lstStyle/>
+          <a:p>
+            <a:r>
+              <a:rPr lang="en" altLang="ko-KR" sz="1800" dirty="0"/>
+              <a:t>Where does the bag file get saved? How can you change where it is saved?</a:t>
+            </a:r>
+          </a:p>
+          <a:p>
+            <a:pPr marL="0" indent="0">
+              <a:buNone/>
+            </a:pPr>
+            <a:r>
+              <a:rPr lang="en" altLang="ko-KR" sz="1800" dirty="0"/>
+              <a:t>:  bag </a:t>
+            </a:r>
+            <a:r>
+              <a:rPr lang="ko-KR" altLang="en-US" sz="1800" dirty="0"/>
+              <a:t>파일은 현재 디렉토리에 저장되어 있다</a:t>
+            </a:r>
+            <a:r>
+              <a:rPr lang="en-US" altLang="ko-KR" sz="1800" dirty="0"/>
+              <a:t>.,</a:t>
+            </a:r>
+            <a:r>
+              <a:rPr lang="ko-KR" altLang="en-US" sz="1800" dirty="0"/>
+              <a:t> </a:t>
+            </a:r>
+            <a:r>
+              <a:rPr lang="en-US" altLang="ko-KR" sz="1800" dirty="0"/>
+              <a:t>-o</a:t>
+            </a:r>
+            <a:r>
+              <a:rPr lang="ko-KR" altLang="en-US" sz="1800" dirty="0" err="1"/>
+              <a:t>를</a:t>
+            </a:r>
+            <a:r>
+              <a:rPr lang="ko-KR" altLang="en-US" sz="1800" dirty="0"/>
+              <a:t> 사용해 </a:t>
+            </a:r>
+            <a:r>
+              <a:rPr lang="ko-KR" altLang="en-US" sz="1800" dirty="0" err="1"/>
+              <a:t>디텍토리</a:t>
+            </a:r>
+            <a:r>
+              <a:rPr lang="ko-KR" altLang="en-US" sz="1800" dirty="0"/>
+              <a:t> 변경가능</a:t>
+            </a:r>
+            <a:endParaRPr lang="en" altLang="ko-KR" sz="1800" dirty="0"/>
+          </a:p>
+          <a:p>
+            <a:r>
+              <a:rPr lang="en" altLang="ko-KR" sz="1800" dirty="0"/>
+              <a:t>Where will the bag file be saved if you were launching the recording of </a:t>
+            </a:r>
+            <a:r>
+              <a:rPr lang="en" altLang="ko-KR" sz="1800" dirty="0" err="1"/>
+              <a:t>bagfile</a:t>
+            </a:r>
+            <a:r>
+              <a:rPr lang="en" altLang="ko-KR" sz="1800" dirty="0"/>
+              <a:t> record through a launch file. How can you change where it is saved?</a:t>
+            </a:r>
+          </a:p>
+          <a:p>
+            <a:pPr marL="0" indent="0">
+              <a:buNone/>
+            </a:pPr>
+            <a:r>
+              <a:rPr lang="en" altLang="ko-KR" sz="1800" dirty="0"/>
+              <a:t>: bag </a:t>
+            </a:r>
+            <a:r>
+              <a:rPr lang="ko-KR" altLang="en-US" sz="1800" dirty="0"/>
+              <a:t>파일은 현재 디렉토리에 저장되어 있다</a:t>
+            </a:r>
+            <a:r>
+              <a:rPr lang="en-US" altLang="ko-KR" sz="1800" dirty="0"/>
+              <a:t>.,</a:t>
+            </a:r>
+            <a:r>
+              <a:rPr lang="ko-KR" altLang="en-US" sz="1800" dirty="0"/>
+              <a:t> </a:t>
+            </a:r>
+            <a:r>
+              <a:rPr lang="en" altLang="ko-KR" sz="1800" dirty="0"/>
+              <a:t>"</a:t>
+            </a:r>
+            <a:r>
+              <a:rPr lang="en" altLang="ko-KR" sz="1800" dirty="0" err="1"/>
+              <a:t>args</a:t>
+            </a:r>
+            <a:r>
+              <a:rPr lang="en" altLang="ko-KR" sz="1800" dirty="0"/>
+              <a:t>=../</a:t>
+            </a:r>
+            <a:r>
+              <a:rPr lang="en" altLang="ko-KR" sz="1800" dirty="0" err="1"/>
+              <a:t>bagfiles</a:t>
+            </a:r>
+            <a:r>
+              <a:rPr lang="en" altLang="ko-KR" sz="1800" dirty="0"/>
+              <a:t>/</a:t>
+            </a:r>
+            <a:r>
+              <a:rPr lang="en" altLang="ko-KR" sz="1800" dirty="0" err="1"/>
+              <a:t>my_rosbag_recordings.bag</a:t>
+            </a:r>
+            <a:r>
+              <a:rPr lang="en" altLang="ko-KR" sz="1800" dirty="0"/>
+              <a:t>＂</a:t>
+            </a:r>
+            <a:r>
+              <a:rPr lang="ko-KR" altLang="en-US" sz="1800" dirty="0"/>
+              <a:t>사용해 디렉토리 위치 변경가능</a:t>
+            </a:r>
+            <a:endParaRPr lang="en-US" altLang="ko-KR" sz="1800" dirty="0"/>
+          </a:p>
+        </p:txBody>
+      </p:sp>
+      <p:sp>
+        <p:nvSpPr>
+          <p:cNvPr id="3" name="제목 1">
+            <a:extLst>
+              <a:ext uri="{FF2B5EF4-FFF2-40B4-BE49-F238E27FC236}">
+                <a16:creationId xmlns:a16="http://schemas.microsoft.com/office/drawing/2014/main" id="{574FA3EA-100E-D44C-8848-AEFFE816B40E}"/>
+              </a:ext>
+            </a:extLst>
+          </p:cNvPr>
+          <p:cNvSpPr>
+            <a:spLocks noGrp="1"/>
+          </p:cNvSpPr>
+          <p:nvPr>
+            <p:ph type="title"/>
+          </p:nvPr>
+        </p:nvSpPr>
+        <p:spPr>
+          <a:xfrm>
+            <a:off x="838200" y="0"/>
+            <a:ext cx="10515600" cy="756745"/>
+          </a:xfrm>
+        </p:spPr>
+        <p:txBody>
+          <a:bodyPr/>
+          <a:lstStyle/>
+          <a:p>
+            <a:r>
+              <a:rPr kumimoji="1" lang="en-US" altLang="ko-KR" dirty="0"/>
+              <a:t>Answers to Section 6 Written Questions</a:t>
+            </a:r>
+            <a:endParaRPr kumimoji="1" lang="ko-KR" altLang="en-US" dirty="0"/>
+          </a:p>
+        </p:txBody>
+      </p:sp>
+    </p:spTree>
+    <p:extLst>
+      <p:ext uri="{BB962C8B-B14F-4D97-AF65-F5344CB8AC3E}">
+        <p14:creationId xmlns:p14="http://schemas.microsoft.com/office/powerpoint/2010/main" val="867021745"/>
       </p:ext>
     </p:extLst>
   </p:cSld>
